--- a/documentation/MassiveTable.pptx
+++ b/documentation/MassiveTable.pptx
@@ -7,6 +7,8 @@
   <p:sldIdLst>
     <p:sldId id="257" r:id="rId2"/>
     <p:sldId id="256" r:id="rId3"/>
+    <p:sldId id="258" r:id="rId4"/>
+    <p:sldId id="259" r:id="rId5"/>
   </p:sldIdLst>
   <p:sldSz cx="12192000" cy="6858000"/>
   <p:notesSz cx="6858000" cy="9144000"/>
@@ -105,6 +107,11 @@
       </a:defRPr>
     </a:lvl9pPr>
   </p:defaultTextStyle>
+  <p:extLst>
+    <p:ext uri="{EFAFB233-063F-42B5-8137-9DF3F51BA10A}">
+      <p15:sldGuideLst xmlns:p15="http://schemas.microsoft.com/office/powerpoint/2012/main"/>
+    </p:ext>
+  </p:extLst>
 </p:presentation>
 </file>
 
@@ -255,7 +262,7 @@
           <a:p>
             <a:fld id="{F6EF7964-EE29-864A-9505-BDA611609C0A}" type="datetimeFigureOut">
               <a:rPr lang="en-US" smtClean="0"/>
-              <a:t>5/31/24</a:t>
+              <a:t>6/5/24</a:t>
             </a:fld>
             <a:endParaRPr lang="en-US"/>
           </a:p>
@@ -453,7 +460,7 @@
           <a:p>
             <a:fld id="{F6EF7964-EE29-864A-9505-BDA611609C0A}" type="datetimeFigureOut">
               <a:rPr lang="en-US" smtClean="0"/>
-              <a:t>5/31/24</a:t>
+              <a:t>6/5/24</a:t>
             </a:fld>
             <a:endParaRPr lang="en-US"/>
           </a:p>
@@ -661,7 +668,7 @@
           <a:p>
             <a:fld id="{F6EF7964-EE29-864A-9505-BDA611609C0A}" type="datetimeFigureOut">
               <a:rPr lang="en-US" smtClean="0"/>
-              <a:t>5/31/24</a:t>
+              <a:t>6/5/24</a:t>
             </a:fld>
             <a:endParaRPr lang="en-US"/>
           </a:p>
@@ -859,7 +866,7 @@
           <a:p>
             <a:fld id="{F6EF7964-EE29-864A-9505-BDA611609C0A}" type="datetimeFigureOut">
               <a:rPr lang="en-US" smtClean="0"/>
-              <a:t>5/31/24</a:t>
+              <a:t>6/5/24</a:t>
             </a:fld>
             <a:endParaRPr lang="en-US"/>
           </a:p>
@@ -1134,7 +1141,7 @@
           <a:p>
             <a:fld id="{F6EF7964-EE29-864A-9505-BDA611609C0A}" type="datetimeFigureOut">
               <a:rPr lang="en-US" smtClean="0"/>
-              <a:t>5/31/24</a:t>
+              <a:t>6/5/24</a:t>
             </a:fld>
             <a:endParaRPr lang="en-US"/>
           </a:p>
@@ -1399,7 +1406,7 @@
           <a:p>
             <a:fld id="{F6EF7964-EE29-864A-9505-BDA611609C0A}" type="datetimeFigureOut">
               <a:rPr lang="en-US" smtClean="0"/>
-              <a:t>5/31/24</a:t>
+              <a:t>6/5/24</a:t>
             </a:fld>
             <a:endParaRPr lang="en-US"/>
           </a:p>
@@ -1811,7 +1818,7 @@
           <a:p>
             <a:fld id="{F6EF7964-EE29-864A-9505-BDA611609C0A}" type="datetimeFigureOut">
               <a:rPr lang="en-US" smtClean="0"/>
-              <a:t>5/31/24</a:t>
+              <a:t>6/5/24</a:t>
             </a:fld>
             <a:endParaRPr lang="en-US"/>
           </a:p>
@@ -1952,7 +1959,7 @@
           <a:p>
             <a:fld id="{F6EF7964-EE29-864A-9505-BDA611609C0A}" type="datetimeFigureOut">
               <a:rPr lang="en-US" smtClean="0"/>
-              <a:t>5/31/24</a:t>
+              <a:t>6/5/24</a:t>
             </a:fld>
             <a:endParaRPr lang="en-US"/>
           </a:p>
@@ -2065,7 +2072,7 @@
           <a:p>
             <a:fld id="{F6EF7964-EE29-864A-9505-BDA611609C0A}" type="datetimeFigureOut">
               <a:rPr lang="en-US" smtClean="0"/>
-              <a:t>5/31/24</a:t>
+              <a:t>6/5/24</a:t>
             </a:fld>
             <a:endParaRPr lang="en-US"/>
           </a:p>
@@ -2376,7 +2383,7 @@
           <a:p>
             <a:fld id="{F6EF7964-EE29-864A-9505-BDA611609C0A}" type="datetimeFigureOut">
               <a:rPr lang="en-US" smtClean="0"/>
-              <a:t>5/31/24</a:t>
+              <a:t>6/5/24</a:t>
             </a:fld>
             <a:endParaRPr lang="en-US"/>
           </a:p>
@@ -2664,7 +2671,7 @@
           <a:p>
             <a:fld id="{F6EF7964-EE29-864A-9505-BDA611609C0A}" type="datetimeFigureOut">
               <a:rPr lang="en-US" smtClean="0"/>
-              <a:t>5/31/24</a:t>
+              <a:t>6/5/24</a:t>
             </a:fld>
             <a:endParaRPr lang="en-US"/>
           </a:p>
@@ -2905,7 +2912,7 @@
           <a:p>
             <a:fld id="{F6EF7964-EE29-864A-9505-BDA611609C0A}" type="datetimeFigureOut">
               <a:rPr lang="en-US" smtClean="0"/>
-              <a:t>5/31/24</a:t>
+              <a:t>6/5/24</a:t>
             </a:fld>
             <a:endParaRPr lang="en-US"/>
           </a:p>
@@ -4026,6 +4033,479 @@
 </p:sld>
 </file>
 
+<file path=ppt/slides/slide3.xml><?xml version="1.0" encoding="utf-8"?>
+<p:sld xmlns:a="http://schemas.openxmlformats.org/drawingml/2006/main" xmlns:r="http://schemas.openxmlformats.org/officeDocument/2006/relationships" xmlns:p="http://schemas.openxmlformats.org/presentationml/2006/main">
+  <p:cSld>
+    <p:spTree>
+      <p:nvGrpSpPr>
+        <p:cNvPr id="1" name=""/>
+        <p:cNvGrpSpPr/>
+        <p:nvPr/>
+      </p:nvGrpSpPr>
+      <p:grpSpPr>
+        <a:xfrm>
+          <a:off x="0" y="0"/>
+          <a:ext cx="0" cy="0"/>
+          <a:chOff x="0" y="0"/>
+          <a:chExt cx="0" cy="0"/>
+        </a:xfrm>
+      </p:grpSpPr>
+      <p:sp>
+        <p:nvSpPr>
+          <p:cNvPr id="6" name="TextBox 5">
+            <a:extLst>
+              <a:ext uri="{FF2B5EF4-FFF2-40B4-BE49-F238E27FC236}">
+                <a16:creationId xmlns:a16="http://schemas.microsoft.com/office/drawing/2014/main" id="{27F5BCF4-428C-8E9F-8CBA-354F8FE20EBA}"/>
+              </a:ext>
+            </a:extLst>
+          </p:cNvPr>
+          <p:cNvSpPr txBox="1"/>
+          <p:nvPr/>
+        </p:nvSpPr>
+        <p:spPr>
+          <a:xfrm>
+            <a:off x="630194" y="358345"/>
+            <a:ext cx="10873947" cy="369332"/>
+          </a:xfrm>
+          <a:prstGeom prst="rect">
+            <a:avLst/>
+          </a:prstGeom>
+          <a:noFill/>
+        </p:spPr>
+        <p:txBody>
+          <a:bodyPr wrap="square" rtlCol="0">
+            <a:spAutoFit/>
+          </a:bodyPr>
+          <a:lstStyle/>
+          <a:p>
+            <a:r>
+              <a:rPr lang="en-US" dirty="0" err="1"/>
+              <a:t>MassiveTable</a:t>
+            </a:r>
+            <a:endParaRPr lang="en-US" dirty="0"/>
+          </a:p>
+        </p:txBody>
+      </p:sp>
+      <p:sp>
+        <p:nvSpPr>
+          <p:cNvPr id="8" name="Rectangle 7">
+            <a:extLst>
+              <a:ext uri="{FF2B5EF4-FFF2-40B4-BE49-F238E27FC236}">
+                <a16:creationId xmlns:a16="http://schemas.microsoft.com/office/drawing/2014/main" id="{13829EA1-7F37-CE23-BADE-94409CF1FF0F}"/>
+              </a:ext>
+            </a:extLst>
+          </p:cNvPr>
+          <p:cNvSpPr/>
+          <p:nvPr/>
+        </p:nvSpPr>
+        <p:spPr>
+          <a:xfrm>
+            <a:off x="910280" y="1050890"/>
+            <a:ext cx="1791455" cy="1488013"/>
+          </a:xfrm>
+          <a:prstGeom prst="rect">
+            <a:avLst/>
+          </a:prstGeom>
+        </p:spPr>
+        <p:style>
+          <a:lnRef idx="2">
+            <a:schemeClr val="accent1">
+              <a:shade val="15000"/>
+            </a:schemeClr>
+          </a:lnRef>
+          <a:fillRef idx="1">
+            <a:schemeClr val="accent1"/>
+          </a:fillRef>
+          <a:effectRef idx="0">
+            <a:schemeClr val="accent1"/>
+          </a:effectRef>
+          <a:fontRef idx="minor">
+            <a:schemeClr val="lt1"/>
+          </a:fontRef>
+        </p:style>
+        <p:txBody>
+          <a:bodyPr rtlCol="0" anchor="ctr"/>
+          <a:lstStyle/>
+          <a:p>
+            <a:pPr algn="ctr"/>
+            <a:r>
+              <a:rPr lang="en-US" dirty="0"/>
+              <a:t>.csv</a:t>
+            </a:r>
+          </a:p>
+        </p:txBody>
+      </p:sp>
+      <p:cxnSp>
+        <p:nvCxnSpPr>
+          <p:cNvPr id="10" name="Straight Arrow Connector 9">
+            <a:extLst>
+              <a:ext uri="{FF2B5EF4-FFF2-40B4-BE49-F238E27FC236}">
+                <a16:creationId xmlns:a16="http://schemas.microsoft.com/office/drawing/2014/main" id="{BA10A929-B312-3BE4-D9CA-239FB8D88F32}"/>
+              </a:ext>
+            </a:extLst>
+          </p:cNvPr>
+          <p:cNvCxnSpPr>
+            <a:cxnSpLocks/>
+            <a:stCxn id="8" idx="3"/>
+            <a:endCxn id="13" idx="1"/>
+          </p:cNvCxnSpPr>
+          <p:nvPr/>
+        </p:nvCxnSpPr>
+        <p:spPr>
+          <a:xfrm flipV="1">
+            <a:off x="2701735" y="1794896"/>
+            <a:ext cx="2739357" cy="1"/>
+          </a:xfrm>
+          <a:prstGeom prst="straightConnector1">
+            <a:avLst/>
+          </a:prstGeom>
+          <a:ln>
+            <a:tailEnd type="triangle"/>
+          </a:ln>
+        </p:spPr>
+        <p:style>
+          <a:lnRef idx="2">
+            <a:schemeClr val="accent1"/>
+          </a:lnRef>
+          <a:fillRef idx="0">
+            <a:schemeClr val="accent1"/>
+          </a:fillRef>
+          <a:effectRef idx="1">
+            <a:schemeClr val="accent1"/>
+          </a:effectRef>
+          <a:fontRef idx="minor">
+            <a:schemeClr val="tx1"/>
+          </a:fontRef>
+        </p:style>
+      </p:cxnSp>
+      <p:sp>
+        <p:nvSpPr>
+          <p:cNvPr id="13" name="Rectangle 12">
+            <a:extLst>
+              <a:ext uri="{FF2B5EF4-FFF2-40B4-BE49-F238E27FC236}">
+                <a16:creationId xmlns:a16="http://schemas.microsoft.com/office/drawing/2014/main" id="{D94C5C36-7C80-E7F4-C59E-BA58FA63DCB6}"/>
+              </a:ext>
+            </a:extLst>
+          </p:cNvPr>
+          <p:cNvSpPr/>
+          <p:nvPr/>
+        </p:nvSpPr>
+        <p:spPr>
+          <a:xfrm>
+            <a:off x="5441092" y="877406"/>
+            <a:ext cx="2051223" cy="1834979"/>
+          </a:xfrm>
+          <a:prstGeom prst="rect">
+            <a:avLst/>
+          </a:prstGeom>
+        </p:spPr>
+        <p:style>
+          <a:lnRef idx="2">
+            <a:schemeClr val="accent1">
+              <a:shade val="15000"/>
+            </a:schemeClr>
+          </a:lnRef>
+          <a:fillRef idx="1">
+            <a:schemeClr val="accent1"/>
+          </a:fillRef>
+          <a:effectRef idx="0">
+            <a:schemeClr val="accent1"/>
+          </a:effectRef>
+          <a:fontRef idx="minor">
+            <a:schemeClr val="lt1"/>
+          </a:fontRef>
+        </p:style>
+        <p:txBody>
+          <a:bodyPr rtlCol="0" anchor="ctr"/>
+          <a:lstStyle/>
+          <a:p>
+            <a:pPr algn="ctr"/>
+            <a:r>
+              <a:rPr lang="en-US" dirty="0" err="1"/>
+              <a:t>MTSubTable</a:t>
+            </a:r>
+            <a:endParaRPr lang="en-US" dirty="0"/>
+          </a:p>
+        </p:txBody>
+      </p:sp>
+      <p:sp>
+        <p:nvSpPr>
+          <p:cNvPr id="34" name="TextBox 33">
+            <a:extLst>
+              <a:ext uri="{FF2B5EF4-FFF2-40B4-BE49-F238E27FC236}">
+                <a16:creationId xmlns:a16="http://schemas.microsoft.com/office/drawing/2014/main" id="{4C7E34A2-C64A-2519-4AF9-4830C595676E}"/>
+              </a:ext>
+            </a:extLst>
+          </p:cNvPr>
+          <p:cNvSpPr txBox="1"/>
+          <p:nvPr/>
+        </p:nvSpPr>
+        <p:spPr>
+          <a:xfrm>
+            <a:off x="782320" y="3749040"/>
+            <a:ext cx="4958602" cy="923330"/>
+          </a:xfrm>
+          <a:prstGeom prst="rect">
+            <a:avLst/>
+          </a:prstGeom>
+          <a:noFill/>
+        </p:spPr>
+        <p:txBody>
+          <a:bodyPr wrap="none" rtlCol="0">
+            <a:spAutoFit/>
+          </a:bodyPr>
+          <a:lstStyle/>
+          <a:p>
+            <a:r>
+              <a:rPr lang="en-US" dirty="0"/>
+              <a:t>Flexible definition of serialized object, </a:t>
+            </a:r>
+            <a:r>
+              <a:rPr lang="en-US" dirty="0" err="1"/>
+              <a:t>subtables</a:t>
+            </a:r>
+            <a:endParaRPr lang="en-US" dirty="0"/>
+          </a:p>
+          <a:p>
+            <a:endParaRPr lang="en-US" dirty="0"/>
+          </a:p>
+          <a:p>
+            <a:endParaRPr lang="en-US" dirty="0"/>
+          </a:p>
+        </p:txBody>
+      </p:sp>
+      <p:sp>
+        <p:nvSpPr>
+          <p:cNvPr id="2" name="Rectangle 1">
+            <a:extLst>
+              <a:ext uri="{FF2B5EF4-FFF2-40B4-BE49-F238E27FC236}">
+                <a16:creationId xmlns:a16="http://schemas.microsoft.com/office/drawing/2014/main" id="{6DE90806-E451-3D06-BC86-64B152EE0A73}"/>
+              </a:ext>
+            </a:extLst>
+          </p:cNvPr>
+          <p:cNvSpPr/>
+          <p:nvPr/>
+        </p:nvSpPr>
+        <p:spPr>
+          <a:xfrm>
+            <a:off x="10155880" y="1050890"/>
+            <a:ext cx="1791455" cy="1488013"/>
+          </a:xfrm>
+          <a:prstGeom prst="rect">
+            <a:avLst/>
+          </a:prstGeom>
+        </p:spPr>
+        <p:style>
+          <a:lnRef idx="2">
+            <a:schemeClr val="accent1">
+              <a:shade val="15000"/>
+            </a:schemeClr>
+          </a:lnRef>
+          <a:fillRef idx="1">
+            <a:schemeClr val="accent1"/>
+          </a:fillRef>
+          <a:effectRef idx="0">
+            <a:schemeClr val="accent1"/>
+          </a:effectRef>
+          <a:fontRef idx="minor">
+            <a:schemeClr val="lt1"/>
+          </a:fontRef>
+        </p:style>
+        <p:txBody>
+          <a:bodyPr rtlCol="0" anchor="ctr"/>
+          <a:lstStyle/>
+          <a:p>
+            <a:pPr algn="ctr"/>
+            <a:r>
+              <a:rPr lang="en-US" dirty="0"/>
+              <a:t>.bin</a:t>
+            </a:r>
+          </a:p>
+        </p:txBody>
+      </p:sp>
+      <p:cxnSp>
+        <p:nvCxnSpPr>
+          <p:cNvPr id="3" name="Straight Arrow Connector 2">
+            <a:extLst>
+              <a:ext uri="{FF2B5EF4-FFF2-40B4-BE49-F238E27FC236}">
+                <a16:creationId xmlns:a16="http://schemas.microsoft.com/office/drawing/2014/main" id="{525B5720-F38B-19F0-9DE4-45BB38D1BA29}"/>
+              </a:ext>
+            </a:extLst>
+          </p:cNvPr>
+          <p:cNvCxnSpPr>
+            <a:cxnSpLocks/>
+            <a:stCxn id="13" idx="3"/>
+            <a:endCxn id="2" idx="1"/>
+          </p:cNvCxnSpPr>
+          <p:nvPr/>
+        </p:nvCxnSpPr>
+        <p:spPr>
+          <a:xfrm>
+            <a:off x="7492315" y="1794896"/>
+            <a:ext cx="2663565" cy="1"/>
+          </a:xfrm>
+          <a:prstGeom prst="straightConnector1">
+            <a:avLst/>
+          </a:prstGeom>
+          <a:ln>
+            <a:tailEnd type="triangle"/>
+          </a:ln>
+        </p:spPr>
+        <p:style>
+          <a:lnRef idx="2">
+            <a:schemeClr val="accent1"/>
+          </a:lnRef>
+          <a:fillRef idx="0">
+            <a:schemeClr val="accent1"/>
+          </a:fillRef>
+          <a:effectRef idx="1">
+            <a:schemeClr val="accent1"/>
+          </a:effectRef>
+          <a:fontRef idx="minor">
+            <a:schemeClr val="tx1"/>
+          </a:fontRef>
+        </p:style>
+      </p:cxnSp>
+    </p:spTree>
+    <p:extLst>
+      <p:ext uri="{BB962C8B-B14F-4D97-AF65-F5344CB8AC3E}">
+        <p14:creationId xmlns:p14="http://schemas.microsoft.com/office/powerpoint/2010/main" val="3464513601"/>
+      </p:ext>
+    </p:extLst>
+  </p:cSld>
+  <p:clrMapOvr>
+    <a:masterClrMapping/>
+  </p:clrMapOvr>
+</p:sld>
+</file>
+
+<file path=ppt/slides/slide4.xml><?xml version="1.0" encoding="utf-8"?>
+<p:sld xmlns:a="http://schemas.openxmlformats.org/drawingml/2006/main" xmlns:r="http://schemas.openxmlformats.org/officeDocument/2006/relationships" xmlns:p="http://schemas.openxmlformats.org/presentationml/2006/main">
+  <p:cSld>
+    <p:spTree>
+      <p:nvGrpSpPr>
+        <p:cNvPr id="1" name=""/>
+        <p:cNvGrpSpPr/>
+        <p:nvPr/>
+      </p:nvGrpSpPr>
+      <p:grpSpPr>
+        <a:xfrm>
+          <a:off x="0" y="0"/>
+          <a:ext cx="0" cy="0"/>
+          <a:chOff x="0" y="0"/>
+          <a:chExt cx="0" cy="0"/>
+        </a:xfrm>
+      </p:grpSpPr>
+      <p:sp>
+        <p:nvSpPr>
+          <p:cNvPr id="6" name="TextBox 5">
+            <a:extLst>
+              <a:ext uri="{FF2B5EF4-FFF2-40B4-BE49-F238E27FC236}">
+                <a16:creationId xmlns:a16="http://schemas.microsoft.com/office/drawing/2014/main" id="{27F5BCF4-428C-8E9F-8CBA-354F8FE20EBA}"/>
+              </a:ext>
+            </a:extLst>
+          </p:cNvPr>
+          <p:cNvSpPr txBox="1"/>
+          <p:nvPr/>
+        </p:nvSpPr>
+        <p:spPr>
+          <a:xfrm>
+            <a:off x="630194" y="358345"/>
+            <a:ext cx="10873947" cy="369332"/>
+          </a:xfrm>
+          <a:prstGeom prst="rect">
+            <a:avLst/>
+          </a:prstGeom>
+          <a:noFill/>
+        </p:spPr>
+        <p:txBody>
+          <a:bodyPr wrap="square" rtlCol="0">
+            <a:spAutoFit/>
+          </a:bodyPr>
+          <a:lstStyle/>
+          <a:p>
+            <a:r>
+              <a:rPr lang="en-US" dirty="0" err="1"/>
+              <a:t>MassiveTable</a:t>
+            </a:r>
+            <a:endParaRPr lang="en-US" dirty="0"/>
+          </a:p>
+        </p:txBody>
+      </p:sp>
+      <p:sp>
+        <p:nvSpPr>
+          <p:cNvPr id="34" name="TextBox 33">
+            <a:extLst>
+              <a:ext uri="{FF2B5EF4-FFF2-40B4-BE49-F238E27FC236}">
+                <a16:creationId xmlns:a16="http://schemas.microsoft.com/office/drawing/2014/main" id="{4C7E34A2-C64A-2519-4AF9-4830C595676E}"/>
+              </a:ext>
+            </a:extLst>
+          </p:cNvPr>
+          <p:cNvSpPr txBox="1"/>
+          <p:nvPr/>
+        </p:nvSpPr>
+        <p:spPr>
+          <a:xfrm>
+            <a:off x="538480" y="1330960"/>
+            <a:ext cx="11348720" cy="2031325"/>
+          </a:xfrm>
+          <a:prstGeom prst="rect">
+            <a:avLst/>
+          </a:prstGeom>
+          <a:noFill/>
+        </p:spPr>
+        <p:txBody>
+          <a:bodyPr wrap="square" rtlCol="0">
+            <a:spAutoFit/>
+          </a:bodyPr>
+          <a:lstStyle/>
+          <a:p>
+            <a:r>
+              <a:rPr lang="en-US" dirty="0"/>
+              <a:t>Classes:</a:t>
+            </a:r>
+          </a:p>
+          <a:p>
+            <a:endParaRPr lang="en-US" dirty="0"/>
+          </a:p>
+          <a:p>
+            <a:r>
+              <a:rPr lang="en-US" dirty="0" err="1"/>
+              <a:t>MTDataFrame</a:t>
+            </a:r>
+            <a:endParaRPr lang="en-US" dirty="0"/>
+          </a:p>
+          <a:p>
+            <a:endParaRPr lang="en-US" dirty="0"/>
+          </a:p>
+          <a:p>
+            <a:r>
+              <a:rPr lang="en-US" dirty="0" err="1"/>
+              <a:t>MTSubTable</a:t>
+            </a:r>
+            <a:endParaRPr lang="en-US" dirty="0"/>
+          </a:p>
+          <a:p>
+            <a:endParaRPr lang="en-US" dirty="0"/>
+          </a:p>
+          <a:p>
+            <a:endParaRPr lang="en-US" dirty="0"/>
+          </a:p>
+        </p:txBody>
+      </p:sp>
+    </p:spTree>
+    <p:extLst>
+      <p:ext uri="{BB962C8B-B14F-4D97-AF65-F5344CB8AC3E}">
+        <p14:creationId xmlns:p14="http://schemas.microsoft.com/office/powerpoint/2010/main" val="3810364816"/>
+      </p:ext>
+    </p:extLst>
+  </p:cSld>
+  <p:clrMapOvr>
+    <a:masterClrMapping/>
+  </p:clrMapOvr>
+</p:sld>
+</file>
+
 <file path=ppt/theme/theme1.xml><?xml version="1.0" encoding="utf-8"?>
 <a:theme xmlns:a="http://schemas.openxmlformats.org/drawingml/2006/main" name="Office Theme">
   <a:themeElements>

--- a/documentation/MassiveTable.pptx
+++ b/documentation/MassiveTable.pptx
@@ -4489,6 +4489,10 @@
             <a:endParaRPr lang="en-US" dirty="0"/>
           </a:p>
           <a:p>
+            <a:r>
+              <a:rPr lang="en-US"/>
+              <a:t>MTTable</a:t>
+            </a:r>
             <a:endParaRPr lang="en-US" dirty="0"/>
           </a:p>
         </p:txBody>
